--- a/doc/2018-inu-webrtc-08.pptx
+++ b/doc/2018-inu-webrtc-08.pptx
@@ -57,20 +57,20 @@
   <p:notesSz cx="6797675" cy="9926638"/>
   <p:embeddedFontLst>
     <p:embeddedFont>
-      <p:font typeface="Consolas" panose="020B0609020204030204" pitchFamily="49" charset="0"/>
+      <p:font typeface="나눔고딕" panose="020D0604000000000000" pitchFamily="50" charset="-127"/>
       <p:regular r:id="rId45"/>
       <p:bold r:id="rId46"/>
-      <p:italic r:id="rId47"/>
-      <p:boldItalic r:id="rId48"/>
     </p:embeddedFont>
     <p:embeddedFont>
-      <p:font typeface="나눔고딕" panose="020D0604000000000000" pitchFamily="50" charset="-127"/>
-      <p:regular r:id="rId49"/>
-      <p:bold r:id="rId50"/>
+      <p:font typeface="Cambria Math" panose="02040503050406030204" pitchFamily="18" charset="0"/>
+      <p:regular r:id="rId47"/>
     </p:embeddedFont>
     <p:embeddedFont>
-      <p:font typeface="Wingdings 3" panose="05040102010807070707" pitchFamily="18" charset="2"/>
-      <p:regular r:id="rId51"/>
+      <p:font typeface="Consolas" panose="020B0609020204030204" pitchFamily="49" charset="0"/>
+      <p:regular r:id="rId48"/>
+      <p:bold r:id="rId49"/>
+      <p:italic r:id="rId50"/>
+      <p:boldItalic r:id="rId51"/>
     </p:embeddedFont>
     <p:embeddedFont>
       <p:font typeface="맑은 고딕" panose="020B0503020000020004" pitchFamily="50" charset="-127"/>
@@ -78,7 +78,7 @@
       <p:bold r:id="rId53"/>
     </p:embeddedFont>
     <p:embeddedFont>
-      <p:font typeface="Cambria Math" panose="02040503050406030204" pitchFamily="18" charset="0"/>
+      <p:font typeface="Wingdings 3" panose="05040102010807070707" pitchFamily="18" charset="2"/>
       <p:regular r:id="rId54"/>
     </p:embeddedFont>
   </p:embeddedFontLst>
@@ -12859,11 +12859,23 @@
             </a:r>
           </a:p>
           <a:p>
-            <a:r>
-              <a:rPr lang="ko-KR" altLang="en-US" sz="1400" dirty="0" smtClean="0"/>
-              <a:t>자바스크립트</a:t>
-            </a:r>
-            <a:endParaRPr lang="en-US" altLang="ko-KR" sz="1400" dirty="0" smtClean="0"/>
+            <a:pPr marL="285750" indent="-285750">
+              <a:buFont typeface="Arial" panose="020B0604020202020204" pitchFamily="34" charset="0"/>
+              <a:buChar char="•"/>
+            </a:pPr>
+            <a:r>
+              <a:rPr lang="en-US" altLang="ko-KR" sz="1400" b="1" dirty="0" err="1"/>
+              <a:t>Javascript</a:t>
+            </a:r>
+            <a:r>
+              <a:rPr lang="en-US" altLang="ko-KR" sz="1400" b="1"/>
+              <a:t> </a:t>
+            </a:r>
+            <a:r>
+              <a:rPr lang="en-US" altLang="ko-KR" sz="1400" b="1" smtClean="0"/>
+              <a:t>#1</a:t>
+            </a:r>
+            <a:endParaRPr lang="en-US" altLang="ko-KR" sz="1400" b="1" dirty="0"/>
           </a:p>
           <a:p>
             <a:pPr marL="285750" indent="-285750">
@@ -12871,10 +12883,10 @@
               <a:buChar char="-"/>
             </a:pPr>
             <a:r>
-              <a:rPr lang="ko-KR" altLang="en-US" sz="1400" dirty="0" smtClean="0"/>
+              <a:rPr lang="ko-KR" altLang="en-US" sz="1400" b="1" dirty="0" smtClean="0"/>
               <a:t>문법</a:t>
             </a:r>
-            <a:endParaRPr lang="en-US" altLang="ko-KR" sz="1400" dirty="0" smtClean="0"/>
+            <a:endParaRPr lang="en-US" altLang="ko-KR" sz="1400" b="1" dirty="0" smtClean="0"/>
           </a:p>
           <a:p>
             <a:pPr marL="285750" indent="-285750">
@@ -12882,10 +12894,10 @@
               <a:buChar char="-"/>
             </a:pPr>
             <a:r>
-              <a:rPr lang="ko-KR" altLang="en-US" sz="1400" dirty="0" smtClean="0"/>
+              <a:rPr lang="ko-KR" altLang="en-US" sz="1400" b="1" dirty="0" smtClean="0"/>
               <a:t>특징</a:t>
             </a:r>
-            <a:endParaRPr lang="en-US" altLang="ko-KR" sz="1400" dirty="0" smtClean="0"/>
+            <a:endParaRPr lang="en-US" altLang="ko-KR" sz="1400" b="1" dirty="0" smtClean="0"/>
           </a:p>
           <a:p>
             <a:pPr marL="742950" lvl="1" indent="-285750">
@@ -12893,18 +12905,18 @@
               <a:buChar char="-"/>
             </a:pPr>
             <a:r>
-              <a:rPr lang="en-US" altLang="ko-KR" sz="1400" dirty="0" smtClean="0"/>
+              <a:rPr lang="en-US" altLang="ko-KR" sz="1400" b="1" dirty="0" smtClean="0"/>
               <a:t>1. </a:t>
             </a:r>
             <a:r>
-              <a:rPr lang="ko-KR" altLang="en-US" sz="1400" dirty="0" err="1" smtClean="0"/>
+              <a:rPr lang="ko-KR" altLang="en-US" sz="1400" b="1" dirty="0" err="1" smtClean="0"/>
               <a:t>프로토타입</a:t>
             </a:r>
             <a:r>
-              <a:rPr lang="ko-KR" altLang="en-US" sz="1400" dirty="0" smtClean="0"/>
+              <a:rPr lang="ko-KR" altLang="en-US" sz="1400" b="1" dirty="0" smtClean="0"/>
               <a:t> </a:t>
             </a:r>
-            <a:endParaRPr lang="en-US" altLang="ko-KR" sz="1400" dirty="0"/>
+            <a:endParaRPr lang="en-US" altLang="ko-KR" sz="1400" b="1" dirty="0"/>
           </a:p>
           <a:p>
             <a:pPr marL="742950" lvl="1" indent="-285750">
@@ -12912,14 +12924,14 @@
               <a:buChar char="-"/>
             </a:pPr>
             <a:r>
-              <a:rPr lang="en-US" altLang="ko-KR" sz="1400" dirty="0" smtClean="0"/>
+              <a:rPr lang="en-US" altLang="ko-KR" sz="1400" b="1" dirty="0" smtClean="0"/>
               <a:t>2. </a:t>
             </a:r>
             <a:r>
-              <a:rPr lang="ko-KR" altLang="en-US" sz="1400" dirty="0" err="1" smtClean="0"/>
+              <a:rPr lang="ko-KR" altLang="en-US" sz="1400" b="1" dirty="0" err="1" smtClean="0"/>
               <a:t>호이스팅</a:t>
             </a:r>
-            <a:endParaRPr lang="en-US" altLang="ko-KR" sz="1400" dirty="0" smtClean="0"/>
+            <a:endParaRPr lang="en-US" altLang="ko-KR" sz="1400" b="1" dirty="0" smtClean="0"/>
           </a:p>
           <a:p>
             <a:pPr marL="742950" lvl="1" indent="-285750">
@@ -12927,14 +12939,14 @@
               <a:buChar char="-"/>
             </a:pPr>
             <a:r>
-              <a:rPr lang="en-US" altLang="ko-KR" sz="1400" dirty="0" smtClean="0"/>
+              <a:rPr lang="en-US" altLang="ko-KR" sz="1400" b="1" dirty="0" smtClean="0"/>
               <a:t>3. </a:t>
             </a:r>
             <a:r>
-              <a:rPr lang="ko-KR" altLang="en-US" sz="1400" dirty="0" err="1" smtClean="0"/>
+              <a:rPr lang="ko-KR" altLang="en-US" sz="1400" b="1" dirty="0" err="1" smtClean="0"/>
               <a:t>스코프</a:t>
             </a:r>
-            <a:endParaRPr lang="en-US" altLang="ko-KR" sz="1400" dirty="0" smtClean="0"/>
+            <a:endParaRPr lang="en-US" altLang="ko-KR" sz="1400" b="1" dirty="0" smtClean="0"/>
           </a:p>
           <a:p>
             <a:pPr marL="742950" lvl="1" indent="-285750">
@@ -12942,23 +12954,23 @@
               <a:buChar char="-"/>
             </a:pPr>
             <a:r>
-              <a:rPr lang="en-US" altLang="ko-KR" sz="1400" dirty="0" smtClean="0"/>
+              <a:rPr lang="en-US" altLang="ko-KR" sz="1400" b="1" dirty="0" smtClean="0"/>
               <a:t>4. </a:t>
             </a:r>
             <a:r>
-              <a:rPr lang="ko-KR" altLang="en-US" sz="1400" dirty="0" smtClean="0"/>
+              <a:rPr lang="ko-KR" altLang="en-US" sz="1400" b="1" dirty="0" smtClean="0"/>
               <a:t>함수 </a:t>
             </a:r>
             <a:r>
-              <a:rPr lang="en-US" altLang="ko-KR" sz="1400" dirty="0" smtClean="0"/>
+              <a:rPr lang="en-US" altLang="ko-KR" sz="1400" b="1" dirty="0" smtClean="0"/>
               <a:t>(1</a:t>
             </a:r>
             <a:r>
-              <a:rPr lang="ko-KR" altLang="en-US" sz="1400" dirty="0" err="1" smtClean="0"/>
+              <a:rPr lang="ko-KR" altLang="en-US" sz="1400" b="1" dirty="0" err="1" smtClean="0"/>
               <a:t>급객체</a:t>
             </a:r>
             <a:r>
-              <a:rPr lang="en-US" altLang="ko-KR" sz="1400" dirty="0" smtClean="0"/>
+              <a:rPr lang="en-US" altLang="ko-KR" sz="1400" b="1" dirty="0" smtClean="0"/>
               <a:t>)</a:t>
             </a:r>
           </a:p>
@@ -12968,14 +12980,14 @@
               <a:buChar char="-"/>
             </a:pPr>
             <a:r>
-              <a:rPr lang="en-US" altLang="ko-KR" sz="1400" dirty="0" smtClean="0"/>
+              <a:rPr lang="en-US" altLang="ko-KR" sz="1400" b="1" dirty="0" smtClean="0"/>
               <a:t>5. </a:t>
             </a:r>
             <a:r>
-              <a:rPr lang="ko-KR" altLang="en-US" sz="1400" dirty="0" err="1" smtClean="0"/>
+              <a:rPr lang="ko-KR" altLang="en-US" sz="1400" b="1" dirty="0" err="1" smtClean="0"/>
               <a:t>클로저</a:t>
             </a:r>
-            <a:endParaRPr lang="en-US" altLang="ko-KR" sz="1400" dirty="0" smtClean="0"/>
+            <a:endParaRPr lang="en-US" altLang="ko-KR" sz="1400" b="1" dirty="0" smtClean="0"/>
           </a:p>
           <a:p>
             <a:pPr marL="742950" lvl="1" indent="-285750">
@@ -12983,10 +12995,9 @@
               <a:buChar char="-"/>
             </a:pPr>
             <a:r>
-              <a:rPr lang="en-US" altLang="ko-KR" sz="1400" dirty="0" smtClean="0"/>
+              <a:rPr lang="en-US" altLang="ko-KR" sz="1400" b="1" dirty="0" smtClean="0"/>
               <a:t>6. this </a:t>
             </a:r>
-            <a:endParaRPr lang="en-US" altLang="ko-KR" sz="1400" dirty="0" smtClean="0"/>
           </a:p>
           <a:p>
             <a:endParaRPr lang="en-US" altLang="ko-KR" sz="1400" dirty="0" smtClean="0"/>
@@ -24610,8 +24621,8 @@
           </a:p>
         </p:txBody>
       </p:sp>
-      <mc:AlternateContent xmlns:mc="http://schemas.openxmlformats.org/markup-compatibility/2006">
-        <mc:Choice xmlns:a14="http://schemas.microsoft.com/office/drawing/2010/main" Requires="a14">
+      <mc:AlternateContent xmlns:mc="http://schemas.openxmlformats.org/markup-compatibility/2006" xmlns:a14="http://schemas.microsoft.com/office/drawing/2010/main">
+        <mc:Choice Requires="a14">
           <p:graphicFrame>
             <p:nvGraphicFramePr>
               <p:cNvPr id="6" name="Table 5"/>
@@ -25605,7 +25616,7 @@
             </a:graphic>
           </p:graphicFrame>
         </mc:Choice>
-        <mc:Fallback>
+        <mc:Fallback xmlns="">
           <p:graphicFrame>
             <p:nvGraphicFramePr>
               <p:cNvPr id="6" name="Table 5"/>
@@ -26212,8 +26223,8 @@
           </p:graphicFrame>
         </mc:Fallback>
       </mc:AlternateContent>
-      <mc:AlternateContent xmlns:mc="http://schemas.openxmlformats.org/markup-compatibility/2006">
-        <mc:Choice xmlns:a14="http://schemas.microsoft.com/office/drawing/2010/main" Requires="a14">
+      <mc:AlternateContent xmlns:mc="http://schemas.openxmlformats.org/markup-compatibility/2006" xmlns:a14="http://schemas.microsoft.com/office/drawing/2010/main">
+        <mc:Choice Requires="a14">
           <p:graphicFrame>
             <p:nvGraphicFramePr>
               <p:cNvPr id="7" name="Table 6"/>
@@ -27131,7 +27142,7 @@
             </a:graphic>
           </p:graphicFrame>
         </mc:Choice>
-        <mc:Fallback>
+        <mc:Fallback xmlns="">
           <p:graphicFrame>
             <p:nvGraphicFramePr>
               <p:cNvPr id="7" name="Table 6"/>
